--- a/Lecture_HelloWorld.pptx
+++ b/Lecture_HelloWorld.pptx
@@ -17,6 +17,12 @@
     <p:sldId id="269" r:id="rId11"/>
     <p:sldId id="263" r:id="rId12"/>
     <p:sldId id="268" r:id="rId13"/>
+    <p:sldId id="270" r:id="rId14"/>
+    <p:sldId id="271" r:id="rId15"/>
+    <p:sldId id="272" r:id="rId16"/>
+    <p:sldId id="273" r:id="rId17"/>
+    <p:sldId id="274" r:id="rId18"/>
+    <p:sldId id="275" r:id="rId19"/>
   </p:sldIdLst>
   <p:sldSz cx="12192000" cy="6858000"/>
   <p:notesSz cx="6858000" cy="9144000"/>
@@ -254,7 +260,7 @@
           <a:p>
             <a:fld id="{CFD2DCEA-6067-4029-8959-7E91435508C7}" type="datetimeFigureOut">
               <a:rPr lang="en-CA" smtClean="0"/>
-              <a:t>2019-08-28</a:t>
+              <a:t>2019-09-03</a:t>
             </a:fld>
             <a:endParaRPr lang="en-CA"/>
           </a:p>
@@ -424,7 +430,7 @@
           <a:p>
             <a:fld id="{CFD2DCEA-6067-4029-8959-7E91435508C7}" type="datetimeFigureOut">
               <a:rPr lang="en-CA" smtClean="0"/>
-              <a:t>2019-08-28</a:t>
+              <a:t>2019-09-03</a:t>
             </a:fld>
             <a:endParaRPr lang="en-CA"/>
           </a:p>
@@ -604,7 +610,7 @@
           <a:p>
             <a:fld id="{CFD2DCEA-6067-4029-8959-7E91435508C7}" type="datetimeFigureOut">
               <a:rPr lang="en-CA" smtClean="0"/>
-              <a:t>2019-08-28</a:t>
+              <a:t>2019-09-03</a:t>
             </a:fld>
             <a:endParaRPr lang="en-CA"/>
           </a:p>
@@ -774,7 +780,7 @@
           <a:p>
             <a:fld id="{CFD2DCEA-6067-4029-8959-7E91435508C7}" type="datetimeFigureOut">
               <a:rPr lang="en-CA" smtClean="0"/>
-              <a:t>2019-08-28</a:t>
+              <a:t>2019-09-03</a:t>
             </a:fld>
             <a:endParaRPr lang="en-CA"/>
           </a:p>
@@ -1020,7 +1026,7 @@
           <a:p>
             <a:fld id="{CFD2DCEA-6067-4029-8959-7E91435508C7}" type="datetimeFigureOut">
               <a:rPr lang="en-CA" smtClean="0"/>
-              <a:t>2019-08-28</a:t>
+              <a:t>2019-09-03</a:t>
             </a:fld>
             <a:endParaRPr lang="en-CA"/>
           </a:p>
@@ -1252,7 +1258,7 @@
           <a:p>
             <a:fld id="{CFD2DCEA-6067-4029-8959-7E91435508C7}" type="datetimeFigureOut">
               <a:rPr lang="en-CA" smtClean="0"/>
-              <a:t>2019-08-28</a:t>
+              <a:t>2019-09-03</a:t>
             </a:fld>
             <a:endParaRPr lang="en-CA"/>
           </a:p>
@@ -1619,7 +1625,7 @@
           <a:p>
             <a:fld id="{CFD2DCEA-6067-4029-8959-7E91435508C7}" type="datetimeFigureOut">
               <a:rPr lang="en-CA" smtClean="0"/>
-              <a:t>2019-08-28</a:t>
+              <a:t>2019-09-03</a:t>
             </a:fld>
             <a:endParaRPr lang="en-CA"/>
           </a:p>
@@ -1737,7 +1743,7 @@
           <a:p>
             <a:fld id="{CFD2DCEA-6067-4029-8959-7E91435508C7}" type="datetimeFigureOut">
               <a:rPr lang="en-CA" smtClean="0"/>
-              <a:t>2019-08-28</a:t>
+              <a:t>2019-09-03</a:t>
             </a:fld>
             <a:endParaRPr lang="en-CA"/>
           </a:p>
@@ -1832,7 +1838,7 @@
           <a:p>
             <a:fld id="{CFD2DCEA-6067-4029-8959-7E91435508C7}" type="datetimeFigureOut">
               <a:rPr lang="en-CA" smtClean="0"/>
-              <a:t>2019-08-28</a:t>
+              <a:t>2019-09-03</a:t>
             </a:fld>
             <a:endParaRPr lang="en-CA"/>
           </a:p>
@@ -2109,7 +2115,7 @@
           <a:p>
             <a:fld id="{CFD2DCEA-6067-4029-8959-7E91435508C7}" type="datetimeFigureOut">
               <a:rPr lang="en-CA" smtClean="0"/>
-              <a:t>2019-08-28</a:t>
+              <a:t>2019-09-03</a:t>
             </a:fld>
             <a:endParaRPr lang="en-CA"/>
           </a:p>
@@ -2362,7 +2368,7 @@
           <a:p>
             <a:fld id="{CFD2DCEA-6067-4029-8959-7E91435508C7}" type="datetimeFigureOut">
               <a:rPr lang="en-CA" smtClean="0"/>
-              <a:t>2019-08-28</a:t>
+              <a:t>2019-09-03</a:t>
             </a:fld>
             <a:endParaRPr lang="en-CA"/>
           </a:p>
@@ -2575,7 +2581,7 @@
           <a:p>
             <a:fld id="{CFD2DCEA-6067-4029-8959-7E91435508C7}" type="datetimeFigureOut">
               <a:rPr lang="en-CA" smtClean="0"/>
-              <a:t>2019-08-28</a:t>
+              <a:t>2019-09-03</a:t>
             </a:fld>
             <a:endParaRPr lang="en-CA"/>
           </a:p>
@@ -3178,11 +3184,7 @@
           <a:p>
             <a:r>
               <a:rPr lang="en-CA" dirty="0" smtClean="0"/>
-              <a:t>Hello </a:t>
-            </a:r>
-            <a:r>
-              <a:rPr lang="en-CA" dirty="0" smtClean="0"/>
-              <a:t>world (so many questions) </a:t>
+              <a:t>Hello world (so many questions) </a:t>
             </a:r>
             <a:endParaRPr lang="en-CA" dirty="0"/>
           </a:p>
@@ -3411,9 +3413,6 @@
               </a:rPr>
               <a:t>How does the layout get inflated?</a:t>
             </a:r>
-            <a:endParaRPr lang="en-CA" dirty="0" smtClean="0">
-              <a:latin typeface="+mj-lt"/>
-            </a:endParaRPr>
           </a:p>
           <a:p>
             <a:pPr lvl="1"/>
@@ -3714,6 +3713,948 @@
     <p:extLst>
       <p:ext uri="{BB962C8B-B14F-4D97-AF65-F5344CB8AC3E}">
         <p14:creationId xmlns:p14="http://schemas.microsoft.com/office/powerpoint/2010/main" val="4240154127"/>
+      </p:ext>
+    </p:extLst>
+  </p:cSld>
+  <p:clrMapOvr>
+    <a:masterClrMapping/>
+  </p:clrMapOvr>
+  <p:timing>
+    <p:tnLst>
+      <p:par>
+        <p:cTn id="1" dur="indefinite" restart="never" nodeType="tmRoot"/>
+      </p:par>
+    </p:tnLst>
+  </p:timing>
+</p:sld>
+</file>
+
+<file path=ppt/slides/slide13.xml><?xml version="1.0" encoding="utf-8"?>
+<p:sld xmlns:a="http://schemas.openxmlformats.org/drawingml/2006/main" xmlns:r="http://schemas.openxmlformats.org/officeDocument/2006/relationships" xmlns:p="http://schemas.openxmlformats.org/presentationml/2006/main">
+  <p:cSld>
+    <p:spTree>
+      <p:nvGrpSpPr>
+        <p:cNvPr id="1" name=""/>
+        <p:cNvGrpSpPr/>
+        <p:nvPr/>
+      </p:nvGrpSpPr>
+      <p:grpSpPr>
+        <a:xfrm>
+          <a:off x="0" y="0"/>
+          <a:ext cx="0" cy="0"/>
+          <a:chOff x="0" y="0"/>
+          <a:chExt cx="0" cy="0"/>
+        </a:xfrm>
+      </p:grpSpPr>
+      <p:sp>
+        <p:nvSpPr>
+          <p:cNvPr id="2" name="Title 1"/>
+          <p:cNvSpPr>
+            <a:spLocks noGrp="1"/>
+          </p:cNvSpPr>
+          <p:nvPr>
+            <p:ph type="title"/>
+          </p:nvPr>
+        </p:nvSpPr>
+        <p:spPr/>
+        <p:txBody>
+          <a:bodyPr/>
+          <a:lstStyle/>
+          <a:p>
+            <a:r>
+              <a:rPr lang="en-CA" dirty="0" smtClean="0"/>
+              <a:t>Mobile apps</a:t>
+            </a:r>
+            <a:endParaRPr lang="en-CA" dirty="0"/>
+          </a:p>
+        </p:txBody>
+      </p:sp>
+      <p:pic>
+        <p:nvPicPr>
+          <p:cNvPr id="5" name="Picture 4"/>
+          <p:cNvPicPr>
+            <a:picLocks noChangeAspect="1"/>
+          </p:cNvPicPr>
+          <p:nvPr/>
+        </p:nvPicPr>
+        <p:blipFill>
+          <a:blip r:embed="rId2"/>
+          <a:stretch>
+            <a:fillRect/>
+          </a:stretch>
+        </p:blipFill>
+        <p:spPr>
+          <a:xfrm>
+            <a:off x="852921" y="2423614"/>
+            <a:ext cx="4772025" cy="2476500"/>
+          </a:xfrm>
+          <a:prstGeom prst="rect">
+            <a:avLst/>
+          </a:prstGeom>
+        </p:spPr>
+      </p:pic>
+      <p:pic>
+        <p:nvPicPr>
+          <p:cNvPr id="6" name="Picture 5"/>
+          <p:cNvPicPr>
+            <a:picLocks noChangeAspect="1"/>
+          </p:cNvPicPr>
+          <p:nvPr/>
+        </p:nvPicPr>
+        <p:blipFill>
+          <a:blip r:embed="rId3"/>
+          <a:stretch>
+            <a:fillRect/>
+          </a:stretch>
+        </p:blipFill>
+        <p:spPr>
+          <a:xfrm>
+            <a:off x="4475018" y="552882"/>
+            <a:ext cx="4667250" cy="2495550"/>
+          </a:xfrm>
+          <a:prstGeom prst="rect">
+            <a:avLst/>
+          </a:prstGeom>
+        </p:spPr>
+      </p:pic>
+      <p:pic>
+        <p:nvPicPr>
+          <p:cNvPr id="7" name="Picture 6"/>
+          <p:cNvPicPr>
+            <a:picLocks noChangeAspect="1"/>
+          </p:cNvPicPr>
+          <p:nvPr/>
+        </p:nvPicPr>
+        <p:blipFill>
+          <a:blip r:embed="rId4"/>
+          <a:stretch>
+            <a:fillRect/>
+          </a:stretch>
+        </p:blipFill>
+        <p:spPr>
+          <a:xfrm>
+            <a:off x="4041089" y="2526721"/>
+            <a:ext cx="3028950" cy="2428875"/>
+          </a:xfrm>
+          <a:prstGeom prst="rect">
+            <a:avLst/>
+          </a:prstGeom>
+        </p:spPr>
+      </p:pic>
+      <p:pic>
+        <p:nvPicPr>
+          <p:cNvPr id="8" name="Picture 7"/>
+          <p:cNvPicPr>
+            <a:picLocks noChangeAspect="1"/>
+          </p:cNvPicPr>
+          <p:nvPr/>
+        </p:nvPicPr>
+        <p:blipFill>
+          <a:blip r:embed="rId5"/>
+          <a:stretch>
+            <a:fillRect/>
+          </a:stretch>
+        </p:blipFill>
+        <p:spPr>
+          <a:xfrm>
+            <a:off x="6785912" y="3742969"/>
+            <a:ext cx="3571875" cy="2514600"/>
+          </a:xfrm>
+          <a:prstGeom prst="rect">
+            <a:avLst/>
+          </a:prstGeom>
+        </p:spPr>
+      </p:pic>
+      <p:pic>
+        <p:nvPicPr>
+          <p:cNvPr id="9" name="Picture 8"/>
+          <p:cNvPicPr>
+            <a:picLocks noChangeAspect="1"/>
+          </p:cNvPicPr>
+          <p:nvPr/>
+        </p:nvPicPr>
+        <p:blipFill>
+          <a:blip r:embed="rId6"/>
+          <a:stretch>
+            <a:fillRect/>
+          </a:stretch>
+        </p:blipFill>
+        <p:spPr>
+          <a:xfrm>
+            <a:off x="7971557" y="195049"/>
+            <a:ext cx="4181475" cy="2495550"/>
+          </a:xfrm>
+          <a:prstGeom prst="rect">
+            <a:avLst/>
+          </a:prstGeom>
+        </p:spPr>
+      </p:pic>
+      <p:pic>
+        <p:nvPicPr>
+          <p:cNvPr id="10" name="Picture 9"/>
+          <p:cNvPicPr>
+            <a:picLocks noChangeAspect="1"/>
+          </p:cNvPicPr>
+          <p:nvPr/>
+        </p:nvPicPr>
+        <p:blipFill>
+          <a:blip r:embed="rId7"/>
+          <a:stretch>
+            <a:fillRect/>
+          </a:stretch>
+        </p:blipFill>
+        <p:spPr>
+          <a:xfrm>
+            <a:off x="3830350" y="4659097"/>
+            <a:ext cx="3743325" cy="2133600"/>
+          </a:xfrm>
+          <a:prstGeom prst="rect">
+            <a:avLst/>
+          </a:prstGeom>
+        </p:spPr>
+      </p:pic>
+      <p:pic>
+        <p:nvPicPr>
+          <p:cNvPr id="11" name="Picture 10"/>
+          <p:cNvPicPr>
+            <a:picLocks noChangeAspect="1"/>
+          </p:cNvPicPr>
+          <p:nvPr/>
+        </p:nvPicPr>
+        <p:blipFill>
+          <a:blip r:embed="rId8"/>
+          <a:stretch>
+            <a:fillRect/>
+          </a:stretch>
+        </p:blipFill>
+        <p:spPr>
+          <a:xfrm>
+            <a:off x="10062295" y="2716761"/>
+            <a:ext cx="2581275" cy="2457450"/>
+          </a:xfrm>
+          <a:prstGeom prst="rect">
+            <a:avLst/>
+          </a:prstGeom>
+        </p:spPr>
+      </p:pic>
+      <p:pic>
+        <p:nvPicPr>
+          <p:cNvPr id="12" name="Picture 11"/>
+          <p:cNvPicPr>
+            <a:picLocks noChangeAspect="1"/>
+          </p:cNvPicPr>
+          <p:nvPr/>
+        </p:nvPicPr>
+        <p:blipFill>
+          <a:blip r:embed="rId9"/>
+          <a:stretch>
+            <a:fillRect/>
+          </a:stretch>
+        </p:blipFill>
+        <p:spPr>
+          <a:xfrm>
+            <a:off x="-1004887" y="3864985"/>
+            <a:ext cx="2476500" cy="2619375"/>
+          </a:xfrm>
+          <a:prstGeom prst="rect">
+            <a:avLst/>
+          </a:prstGeom>
+        </p:spPr>
+      </p:pic>
+      <p:pic>
+        <p:nvPicPr>
+          <p:cNvPr id="1026" name="Picture 2" descr="Image result for maslow's hierarchy of needs"/>
+          <p:cNvPicPr>
+            <a:picLocks noChangeAspect="1" noChangeArrowheads="1"/>
+          </p:cNvPicPr>
+          <p:nvPr/>
+        </p:nvPicPr>
+        <p:blipFill>
+          <a:blip r:embed="rId10" cstate="print">
+            <a:extLst>
+              <a:ext uri="{28A0092B-C50C-407E-A947-70E740481C1C}">
+                <a14:useLocalDpi xmlns:a14="http://schemas.microsoft.com/office/drawing/2010/main" val="0"/>
+              </a:ext>
+            </a:extLst>
+          </a:blip>
+          <a:srcRect/>
+          <a:stretch>
+            <a:fillRect/>
+          </a:stretch>
+        </p:blipFill>
+        <p:spPr bwMode="auto">
+          <a:xfrm>
+            <a:off x="1310121" y="5495618"/>
+            <a:ext cx="2322368" cy="1283887"/>
+          </a:xfrm>
+          <a:prstGeom prst="rect">
+            <a:avLst/>
+          </a:prstGeom>
+          <a:noFill/>
+          <a:extLst>
+            <a:ext uri="{909E8E84-426E-40DD-AFC4-6F175D3DCCD1}">
+              <a14:hiddenFill xmlns:a14="http://schemas.microsoft.com/office/drawing/2010/main">
+                <a:solidFill>
+                  <a:srgbClr val="FFFFFF"/>
+                </a:solidFill>
+              </a14:hiddenFill>
+            </a:ext>
+          </a:extLst>
+        </p:spPr>
+      </p:pic>
+      <p:pic>
+        <p:nvPicPr>
+          <p:cNvPr id="13" name="Picture 12"/>
+          <p:cNvPicPr>
+            <a:picLocks noChangeAspect="1"/>
+          </p:cNvPicPr>
+          <p:nvPr/>
+        </p:nvPicPr>
+        <p:blipFill>
+          <a:blip r:embed="rId11"/>
+          <a:stretch>
+            <a:fillRect/>
+          </a:stretch>
+        </p:blipFill>
+        <p:spPr>
+          <a:xfrm>
+            <a:off x="9150494" y="1097973"/>
+            <a:ext cx="2752725" cy="2543175"/>
+          </a:xfrm>
+          <a:prstGeom prst="rect">
+            <a:avLst/>
+          </a:prstGeom>
+        </p:spPr>
+      </p:pic>
+      <p:pic>
+        <p:nvPicPr>
+          <p:cNvPr id="14" name="Picture 13"/>
+          <p:cNvPicPr>
+            <a:picLocks noChangeAspect="1"/>
+          </p:cNvPicPr>
+          <p:nvPr/>
+        </p:nvPicPr>
+        <p:blipFill>
+          <a:blip r:embed="rId12"/>
+          <a:stretch>
+            <a:fillRect/>
+          </a:stretch>
+        </p:blipFill>
+        <p:spPr>
+          <a:xfrm>
+            <a:off x="347230" y="315624"/>
+            <a:ext cx="4381500" cy="2533650"/>
+          </a:xfrm>
+          <a:prstGeom prst="rect">
+            <a:avLst/>
+          </a:prstGeom>
+        </p:spPr>
+      </p:pic>
+      <p:pic>
+        <p:nvPicPr>
+          <p:cNvPr id="15" name="Picture 14"/>
+          <p:cNvPicPr>
+            <a:picLocks noChangeAspect="1"/>
+          </p:cNvPicPr>
+          <p:nvPr/>
+        </p:nvPicPr>
+        <p:blipFill>
+          <a:blip r:embed="rId13"/>
+          <a:stretch>
+            <a:fillRect/>
+          </a:stretch>
+        </p:blipFill>
+        <p:spPr>
+          <a:xfrm>
+            <a:off x="2264353" y="961962"/>
+            <a:ext cx="3514725" cy="2552700"/>
+          </a:xfrm>
+          <a:prstGeom prst="rect">
+            <a:avLst/>
+          </a:prstGeom>
+        </p:spPr>
+      </p:pic>
+    </p:spTree>
+    <p:extLst>
+      <p:ext uri="{BB962C8B-B14F-4D97-AF65-F5344CB8AC3E}">
+        <p14:creationId xmlns:p14="http://schemas.microsoft.com/office/powerpoint/2010/main" val="741833510"/>
+      </p:ext>
+    </p:extLst>
+  </p:cSld>
+  <p:clrMapOvr>
+    <a:masterClrMapping/>
+  </p:clrMapOvr>
+  <p:timing>
+    <p:tnLst>
+      <p:par>
+        <p:cTn id="1" dur="indefinite" restart="never" nodeType="tmRoot"/>
+      </p:par>
+    </p:tnLst>
+  </p:timing>
+</p:sld>
+</file>
+
+<file path=ppt/slides/slide14.xml><?xml version="1.0" encoding="utf-8"?>
+<p:sld xmlns:a="http://schemas.openxmlformats.org/drawingml/2006/main" xmlns:r="http://schemas.openxmlformats.org/officeDocument/2006/relationships" xmlns:p="http://schemas.openxmlformats.org/presentationml/2006/main">
+  <p:cSld>
+    <p:spTree>
+      <p:nvGrpSpPr>
+        <p:cNvPr id="1" name=""/>
+        <p:cNvGrpSpPr/>
+        <p:nvPr/>
+      </p:nvGrpSpPr>
+      <p:grpSpPr>
+        <a:xfrm>
+          <a:off x="0" y="0"/>
+          <a:ext cx="0" cy="0"/>
+          <a:chOff x="0" y="0"/>
+          <a:chExt cx="0" cy="0"/>
+        </a:xfrm>
+      </p:grpSpPr>
+      <p:sp>
+        <p:nvSpPr>
+          <p:cNvPr id="2" name="Title 1"/>
+          <p:cNvSpPr>
+            <a:spLocks noGrp="1"/>
+          </p:cNvSpPr>
+          <p:nvPr>
+            <p:ph type="title"/>
+          </p:nvPr>
+        </p:nvSpPr>
+        <p:spPr/>
+        <p:txBody>
+          <a:bodyPr/>
+          <a:lstStyle/>
+          <a:p>
+            <a:r>
+              <a:rPr lang="en-CA" dirty="0" smtClean="0"/>
+              <a:t>Learning app through examples:</a:t>
+            </a:r>
+            <a:endParaRPr lang="en-CA" dirty="0"/>
+          </a:p>
+        </p:txBody>
+      </p:sp>
+      <p:sp>
+        <p:nvSpPr>
+          <p:cNvPr id="3" name="Content Placeholder 2"/>
+          <p:cNvSpPr>
+            <a:spLocks noGrp="1"/>
+          </p:cNvSpPr>
+          <p:nvPr>
+            <p:ph idx="1"/>
+          </p:nvPr>
+        </p:nvSpPr>
+        <p:spPr/>
+        <p:txBody>
+          <a:bodyPr>
+            <a:normAutofit fontScale="92500" lnSpcReduction="10000"/>
+          </a:bodyPr>
+          <a:lstStyle/>
+          <a:p>
+            <a:r>
+              <a:rPr lang="en-CA" dirty="0" smtClean="0"/>
+              <a:t>The location tracker app</a:t>
+            </a:r>
+          </a:p>
+          <a:p>
+            <a:r>
+              <a:rPr lang="en-CA" dirty="0" smtClean="0"/>
+              <a:t>The system scanning app</a:t>
+            </a:r>
+          </a:p>
+          <a:p>
+            <a:r>
+              <a:rPr lang="en-CA" dirty="0" smtClean="0"/>
+              <a:t>The multimedia streaming app</a:t>
+            </a:r>
+          </a:p>
+          <a:p>
+            <a:r>
+              <a:rPr lang="en-CA" dirty="0" smtClean="0"/>
+              <a:t>The messenger/communication app</a:t>
+            </a:r>
+          </a:p>
+          <a:p>
+            <a:r>
+              <a:rPr lang="en-CA" dirty="0" smtClean="0"/>
+              <a:t>The game app</a:t>
+            </a:r>
+          </a:p>
+          <a:p>
+            <a:pPr lvl="1"/>
+            <a:r>
+              <a:rPr lang="en-CA" dirty="0" smtClean="0"/>
+              <a:t>Unity, graphics2D, </a:t>
+            </a:r>
+            <a:r>
+              <a:rPr lang="en-CA" dirty="0" err="1" smtClean="0"/>
+              <a:t>openGL</a:t>
+            </a:r>
+            <a:endParaRPr lang="en-CA" dirty="0" smtClean="0"/>
+          </a:p>
+          <a:p>
+            <a:r>
+              <a:rPr lang="en-CA" dirty="0" smtClean="0"/>
+              <a:t>The social media/sharing app</a:t>
+            </a:r>
+          </a:p>
+          <a:p>
+            <a:r>
+              <a:rPr lang="en-CA" dirty="0" smtClean="0"/>
+              <a:t>The selfie editing app</a:t>
+            </a:r>
+          </a:p>
+          <a:p>
+            <a:endParaRPr lang="en-CA" dirty="0"/>
+          </a:p>
+          <a:p>
+            <a:r>
+              <a:rPr lang="en-CA" dirty="0" smtClean="0"/>
+              <a:t>What do all these apps have in common? UI, </a:t>
+            </a:r>
+          </a:p>
+        </p:txBody>
+      </p:sp>
+    </p:spTree>
+    <p:extLst>
+      <p:ext uri="{BB962C8B-B14F-4D97-AF65-F5344CB8AC3E}">
+        <p14:creationId xmlns:p14="http://schemas.microsoft.com/office/powerpoint/2010/main" val="2286738965"/>
+      </p:ext>
+    </p:extLst>
+  </p:cSld>
+  <p:clrMapOvr>
+    <a:masterClrMapping/>
+  </p:clrMapOvr>
+  <p:timing>
+    <p:tnLst>
+      <p:par>
+        <p:cTn id="1" dur="indefinite" restart="never" nodeType="tmRoot"/>
+      </p:par>
+    </p:tnLst>
+  </p:timing>
+</p:sld>
+</file>
+
+<file path=ppt/slides/slide15.xml><?xml version="1.0" encoding="utf-8"?>
+<p:sld xmlns:a="http://schemas.openxmlformats.org/drawingml/2006/main" xmlns:r="http://schemas.openxmlformats.org/officeDocument/2006/relationships" xmlns:p="http://schemas.openxmlformats.org/presentationml/2006/main">
+  <p:cSld>
+    <p:spTree>
+      <p:nvGrpSpPr>
+        <p:cNvPr id="1" name=""/>
+        <p:cNvGrpSpPr/>
+        <p:nvPr/>
+      </p:nvGrpSpPr>
+      <p:grpSpPr>
+        <a:xfrm>
+          <a:off x="0" y="0"/>
+          <a:ext cx="0" cy="0"/>
+          <a:chOff x="0" y="0"/>
+          <a:chExt cx="0" cy="0"/>
+        </a:xfrm>
+      </p:grpSpPr>
+      <p:sp>
+        <p:nvSpPr>
+          <p:cNvPr id="2" name="Title 1"/>
+          <p:cNvSpPr>
+            <a:spLocks noGrp="1"/>
+          </p:cNvSpPr>
+          <p:nvPr>
+            <p:ph type="title"/>
+          </p:nvPr>
+        </p:nvSpPr>
+        <p:spPr/>
+        <p:txBody>
+          <a:bodyPr/>
+          <a:lstStyle/>
+          <a:p>
+            <a:r>
+              <a:rPr lang="en-CA" dirty="0" smtClean="0"/>
+              <a:t>Reverse engineer popular apps</a:t>
+            </a:r>
+            <a:endParaRPr lang="en-CA" dirty="0"/>
+          </a:p>
+        </p:txBody>
+      </p:sp>
+      <p:sp>
+        <p:nvSpPr>
+          <p:cNvPr id="3" name="Content Placeholder 2"/>
+          <p:cNvSpPr>
+            <a:spLocks noGrp="1"/>
+          </p:cNvSpPr>
+          <p:nvPr>
+            <p:ph idx="1"/>
+          </p:nvPr>
+        </p:nvSpPr>
+        <p:spPr/>
+        <p:txBody>
+          <a:bodyPr/>
+          <a:lstStyle/>
+          <a:p>
+            <a:r>
+              <a:rPr lang="en-CA" dirty="0" smtClean="0"/>
+              <a:t>Reverse engineer popular apps, and replicate their basic functionality</a:t>
+            </a:r>
+          </a:p>
+          <a:p>
+            <a:endParaRPr lang="en-CA" dirty="0"/>
+          </a:p>
+        </p:txBody>
+      </p:sp>
+    </p:spTree>
+    <p:extLst>
+      <p:ext uri="{BB962C8B-B14F-4D97-AF65-F5344CB8AC3E}">
+        <p14:creationId xmlns:p14="http://schemas.microsoft.com/office/powerpoint/2010/main" val="4159704347"/>
+      </p:ext>
+    </p:extLst>
+  </p:cSld>
+  <p:clrMapOvr>
+    <a:masterClrMapping/>
+  </p:clrMapOvr>
+  <p:timing>
+    <p:tnLst>
+      <p:par>
+        <p:cTn id="1" dur="indefinite" restart="never" nodeType="tmRoot"/>
+      </p:par>
+    </p:tnLst>
+  </p:timing>
+</p:sld>
+</file>
+
+<file path=ppt/slides/slide16.xml><?xml version="1.0" encoding="utf-8"?>
+<p:sld xmlns:a="http://schemas.openxmlformats.org/drawingml/2006/main" xmlns:r="http://schemas.openxmlformats.org/officeDocument/2006/relationships" xmlns:p="http://schemas.openxmlformats.org/presentationml/2006/main">
+  <p:cSld>
+    <p:spTree>
+      <p:nvGrpSpPr>
+        <p:cNvPr id="1" name=""/>
+        <p:cNvGrpSpPr/>
+        <p:nvPr/>
+      </p:nvGrpSpPr>
+      <p:grpSpPr>
+        <a:xfrm>
+          <a:off x="0" y="0"/>
+          <a:ext cx="0" cy="0"/>
+          <a:chOff x="0" y="0"/>
+          <a:chExt cx="0" cy="0"/>
+        </a:xfrm>
+      </p:grpSpPr>
+      <p:sp>
+        <p:nvSpPr>
+          <p:cNvPr id="2" name="Title 1"/>
+          <p:cNvSpPr>
+            <a:spLocks noGrp="1"/>
+          </p:cNvSpPr>
+          <p:nvPr>
+            <p:ph type="title"/>
+          </p:nvPr>
+        </p:nvSpPr>
+        <p:spPr/>
+        <p:txBody>
+          <a:bodyPr/>
+          <a:lstStyle/>
+          <a:p>
+            <a:endParaRPr lang="en-CA"/>
+          </a:p>
+        </p:txBody>
+      </p:sp>
+      <p:sp>
+        <p:nvSpPr>
+          <p:cNvPr id="3" name="Content Placeholder 2"/>
+          <p:cNvSpPr>
+            <a:spLocks noGrp="1"/>
+          </p:cNvSpPr>
+          <p:nvPr>
+            <p:ph idx="1"/>
+          </p:nvPr>
+        </p:nvSpPr>
+        <p:spPr/>
+        <p:txBody>
+          <a:bodyPr>
+            <a:normAutofit lnSpcReduction="10000"/>
+          </a:bodyPr>
+          <a:lstStyle/>
+          <a:p>
+            <a:pPr fontAlgn="base"/>
+            <a:r>
+              <a:rPr lang="en-CA" dirty="0"/>
+              <a:t>An imaginary real estate agent / realtor app. Give them a test web service with a few endpoints:</a:t>
+            </a:r>
+          </a:p>
+          <a:p>
+            <a:pPr fontAlgn="base"/>
+            <a:r>
+              <a:rPr lang="en-CA" dirty="0"/>
+              <a:t>List of properties</a:t>
+            </a:r>
+          </a:p>
+          <a:p>
+            <a:pPr fontAlgn="base"/>
+            <a:r>
+              <a:rPr lang="en-CA" dirty="0"/>
+              <a:t>Property details</a:t>
+            </a:r>
+          </a:p>
+          <a:p>
+            <a:pPr fontAlgn="base"/>
+            <a:r>
+              <a:rPr lang="en-CA" dirty="0"/>
+              <a:t>Maybe tokenized user login (bonus points)</a:t>
+            </a:r>
+          </a:p>
+          <a:p>
+            <a:pPr fontAlgn="base"/>
+            <a:r>
+              <a:rPr lang="en-CA" dirty="0"/>
+              <a:t>Maybe add favourites (bonus points)</a:t>
+            </a:r>
+          </a:p>
+          <a:p>
+            <a:pPr fontAlgn="base"/>
+            <a:r>
+              <a:rPr lang="en-CA" dirty="0"/>
+              <a:t>Making this work would cover a good amount of basic Android development: fragments, layouts, lists, </a:t>
+            </a:r>
+            <a:r>
+              <a:rPr lang="en-CA" dirty="0" err="1"/>
+              <a:t>async</a:t>
+            </a:r>
+            <a:r>
+              <a:rPr lang="en-CA" dirty="0"/>
+              <a:t> image loading, infinite scroll, adapters, web service interaction, navigation, Google Maps display etc.</a:t>
+            </a:r>
+          </a:p>
+          <a:p>
+            <a:endParaRPr lang="en-CA" dirty="0"/>
+          </a:p>
+        </p:txBody>
+      </p:sp>
+    </p:spTree>
+    <p:extLst>
+      <p:ext uri="{BB962C8B-B14F-4D97-AF65-F5344CB8AC3E}">
+        <p14:creationId xmlns:p14="http://schemas.microsoft.com/office/powerpoint/2010/main" val="2110729988"/>
+      </p:ext>
+    </p:extLst>
+  </p:cSld>
+  <p:clrMapOvr>
+    <a:masterClrMapping/>
+  </p:clrMapOvr>
+  <p:timing>
+    <p:tnLst>
+      <p:par>
+        <p:cTn id="1" dur="indefinite" restart="never" nodeType="tmRoot"/>
+      </p:par>
+    </p:tnLst>
+  </p:timing>
+</p:sld>
+</file>
+
+<file path=ppt/slides/slide17.xml><?xml version="1.0" encoding="utf-8"?>
+<p:sld xmlns:a="http://schemas.openxmlformats.org/drawingml/2006/main" xmlns:r="http://schemas.openxmlformats.org/officeDocument/2006/relationships" xmlns:p="http://schemas.openxmlformats.org/presentationml/2006/main">
+  <p:cSld>
+    <p:spTree>
+      <p:nvGrpSpPr>
+        <p:cNvPr id="1" name=""/>
+        <p:cNvGrpSpPr/>
+        <p:nvPr/>
+      </p:nvGrpSpPr>
+      <p:grpSpPr>
+        <a:xfrm>
+          <a:off x="0" y="0"/>
+          <a:ext cx="0" cy="0"/>
+          <a:chOff x="0" y="0"/>
+          <a:chExt cx="0" cy="0"/>
+        </a:xfrm>
+      </p:grpSpPr>
+      <p:sp>
+        <p:nvSpPr>
+          <p:cNvPr id="2" name="Title 1"/>
+          <p:cNvSpPr>
+            <a:spLocks noGrp="1"/>
+          </p:cNvSpPr>
+          <p:nvPr>
+            <p:ph type="title"/>
+          </p:nvPr>
+        </p:nvSpPr>
+        <p:spPr/>
+        <p:txBody>
+          <a:bodyPr/>
+          <a:lstStyle/>
+          <a:p>
+            <a:endParaRPr lang="en-CA"/>
+          </a:p>
+        </p:txBody>
+      </p:sp>
+      <p:sp>
+        <p:nvSpPr>
+          <p:cNvPr id="3" name="Content Placeholder 2"/>
+          <p:cNvSpPr>
+            <a:spLocks noGrp="1"/>
+          </p:cNvSpPr>
+          <p:nvPr>
+            <p:ph idx="1"/>
+          </p:nvPr>
+        </p:nvSpPr>
+        <p:spPr/>
+        <p:txBody>
+          <a:bodyPr/>
+          <a:lstStyle/>
+          <a:p>
+            <a:r>
+              <a:rPr lang="en-CA" dirty="0"/>
+              <a:t>The majority of android development is making an </a:t>
+            </a:r>
+            <a:r>
+              <a:rPr lang="en-CA" dirty="0" err="1"/>
+              <a:t>api</a:t>
+            </a:r>
+            <a:r>
+              <a:rPr lang="en-CA" dirty="0"/>
+              <a:t> call and displaying a list of data from that. You'll probably want to cover that. And something to include custom views/</a:t>
+            </a:r>
+            <a:r>
+              <a:rPr lang="en-CA" dirty="0" err="1"/>
+              <a:t>viewgroups</a:t>
+            </a:r>
+            <a:r>
+              <a:rPr lang="en-CA" dirty="0"/>
+              <a:t> and what role those play</a:t>
+            </a:r>
+          </a:p>
+        </p:txBody>
+      </p:sp>
+    </p:spTree>
+    <p:extLst>
+      <p:ext uri="{BB962C8B-B14F-4D97-AF65-F5344CB8AC3E}">
+        <p14:creationId xmlns:p14="http://schemas.microsoft.com/office/powerpoint/2010/main" val="777383547"/>
+      </p:ext>
+    </p:extLst>
+  </p:cSld>
+  <p:clrMapOvr>
+    <a:masterClrMapping/>
+  </p:clrMapOvr>
+  <p:timing>
+    <p:tnLst>
+      <p:par>
+        <p:cTn id="1" dur="indefinite" restart="never" nodeType="tmRoot"/>
+      </p:par>
+    </p:tnLst>
+  </p:timing>
+</p:sld>
+</file>
+
+<file path=ppt/slides/slide18.xml><?xml version="1.0" encoding="utf-8"?>
+<p:sld xmlns:a="http://schemas.openxmlformats.org/drawingml/2006/main" xmlns:r="http://schemas.openxmlformats.org/officeDocument/2006/relationships" xmlns:p="http://schemas.openxmlformats.org/presentationml/2006/main">
+  <p:cSld>
+    <p:spTree>
+      <p:nvGrpSpPr>
+        <p:cNvPr id="1" name=""/>
+        <p:cNvGrpSpPr/>
+        <p:nvPr/>
+      </p:nvGrpSpPr>
+      <p:grpSpPr>
+        <a:xfrm>
+          <a:off x="0" y="0"/>
+          <a:ext cx="0" cy="0"/>
+          <a:chOff x="0" y="0"/>
+          <a:chExt cx="0" cy="0"/>
+        </a:xfrm>
+      </p:grpSpPr>
+      <p:sp>
+        <p:nvSpPr>
+          <p:cNvPr id="2" name="Title 1"/>
+          <p:cNvSpPr>
+            <a:spLocks noGrp="1"/>
+          </p:cNvSpPr>
+          <p:nvPr>
+            <p:ph type="title"/>
+          </p:nvPr>
+        </p:nvSpPr>
+        <p:spPr/>
+        <p:txBody>
+          <a:bodyPr/>
+          <a:lstStyle/>
+          <a:p>
+            <a:endParaRPr lang="en-CA"/>
+          </a:p>
+        </p:txBody>
+      </p:sp>
+      <p:sp>
+        <p:nvSpPr>
+          <p:cNvPr id="3" name="Content Placeholder 2"/>
+          <p:cNvSpPr>
+            <a:spLocks noGrp="1"/>
+          </p:cNvSpPr>
+          <p:nvPr>
+            <p:ph idx="1"/>
+          </p:nvPr>
+        </p:nvSpPr>
+        <p:spPr/>
+        <p:txBody>
+          <a:bodyPr/>
+          <a:lstStyle/>
+          <a:p>
+            <a:pPr fontAlgn="base"/>
+            <a:r>
+              <a:rPr lang="en-CA" dirty="0"/>
+              <a:t>A note taking app. This is what I build for new frameworks that I </a:t>
+            </a:r>
+            <a:r>
+              <a:rPr lang="en-CA" dirty="0" err="1"/>
+              <a:t>wanna</a:t>
+            </a:r>
+            <a:r>
+              <a:rPr lang="en-CA" dirty="0"/>
+              <a:t> learn. It covers a lot thing like:</a:t>
+            </a:r>
+          </a:p>
+          <a:p>
+            <a:pPr fontAlgn="base"/>
+            <a:r>
+              <a:rPr lang="en-CA" dirty="0"/>
+              <a:t>Persistent data storage</a:t>
+            </a:r>
+          </a:p>
+          <a:p>
+            <a:pPr fontAlgn="base"/>
+            <a:r>
+              <a:rPr lang="en-CA" dirty="0"/>
+              <a:t>Making adapters and using them in recycler view</a:t>
+            </a:r>
+          </a:p>
+          <a:p>
+            <a:pPr fontAlgn="base"/>
+            <a:r>
+              <a:rPr lang="en-CA" dirty="0"/>
+              <a:t>Dealing with observables and updating when their value </a:t>
+            </a:r>
+            <a:r>
+              <a:rPr lang="en-CA" dirty="0" err="1"/>
+              <a:t>chnages</a:t>
+            </a:r>
+            <a:endParaRPr lang="en-CA" dirty="0"/>
+          </a:p>
+          <a:p>
+            <a:pPr fontAlgn="base"/>
+            <a:r>
+              <a:rPr lang="en-CA" dirty="0"/>
+              <a:t>Android Navigation</a:t>
+            </a:r>
+          </a:p>
+          <a:p>
+            <a:pPr fontAlgn="base"/>
+            <a:r>
+              <a:rPr lang="en-CA" dirty="0"/>
+              <a:t>There are many features that you can add to it to make it more complex like remote syncing, password protection, labels for notes, etc. From my experience, it is a great place to start</a:t>
+            </a:r>
+          </a:p>
+          <a:p>
+            <a:endParaRPr lang="en-CA" dirty="0"/>
+          </a:p>
+        </p:txBody>
+      </p:sp>
+    </p:spTree>
+    <p:extLst>
+      <p:ext uri="{BB962C8B-B14F-4D97-AF65-F5344CB8AC3E}">
+        <p14:creationId xmlns:p14="http://schemas.microsoft.com/office/powerpoint/2010/main" val="3922133681"/>
       </p:ext>
     </p:extLst>
   </p:cSld>
